--- a/第四次提交物-未命名小组/第4次汇报-未命名小组.pptx
+++ b/第四次提交物-未命名小组/第4次汇报-未命名小组.pptx
@@ -2,7 +2,7 @@
 <file path=ppt/presentation.xml><?xml version="1.0" encoding="utf-8"?>
 <p:presentation xmlns:a="http://schemas.openxmlformats.org/drawingml/2006/main" xmlns:r="http://schemas.openxmlformats.org/officeDocument/2006/relationships" xmlns:p="http://schemas.openxmlformats.org/presentationml/2006/main" saveSubsetFonts="1">
   <p:sldMasterIdLst>
-    <p:sldMasterId id="2147483679" r:id="rId1"/>
+    <p:sldMasterId id="2147483698" r:id="rId1"/>
   </p:sldMasterIdLst>
   <p:sldIdLst>
     <p:sldId id="256" r:id="rId2"/>
@@ -12,9 +12,12 @@
     <p:sldId id="259" r:id="rId6"/>
     <p:sldId id="261" r:id="rId7"/>
     <p:sldId id="262" r:id="rId8"/>
-    <p:sldId id="263" r:id="rId9"/>
-    <p:sldId id="264" r:id="rId10"/>
-    <p:sldId id="265" r:id="rId11"/>
+    <p:sldId id="266" r:id="rId9"/>
+    <p:sldId id="263" r:id="rId10"/>
+    <p:sldId id="264" r:id="rId11"/>
+    <p:sldId id="267" r:id="rId12"/>
+    <p:sldId id="268" r:id="rId13"/>
+    <p:sldId id="265" r:id="rId14"/>
   </p:sldIdLst>
   <p:sldSz cx="12192000" cy="6858000"/>
   <p:notesSz cx="6858000" cy="9144000"/>
@@ -113,6 +116,11 @@
       </a:defRPr>
     </a:lvl9pPr>
   </p:defaultTextStyle>
+  <p:extLst>
+    <p:ext uri="{EFAFB233-063F-42B5-8137-9DF3F51BA10A}">
+      <p15:sldGuideLst xmlns:p15="http://schemas.microsoft.com/office/powerpoint/2012/main"/>
+    </p:ext>
+  </p:extLst>
 </p:presentation>
 </file>
 
@@ -222,8 +230,8 @@
               <a:buNone/>
               <a:defRPr sz="2200">
                 <a:solidFill>
-                  <a:schemeClr val="tx1">
-                    <a:lumMod val="75000"/>
+                  <a:schemeClr val="bg1">
+                    <a:lumMod val="50000"/>
                   </a:schemeClr>
                 </a:solidFill>
               </a:defRPr>
@@ -287,7 +295,7 @@
           <a:p>
             <a:fld id="{75441F6B-7C21-495A-BA83-33C5DC65E3DC}" type="datetimeFigureOut">
               <a:rPr lang="zh-CN" altLang="en-US" smtClean="0"/>
-              <a:t>2020/9/20</a:t>
+              <a:t>2020/9/21</a:t>
             </a:fld>
             <a:endParaRPr lang="zh-CN" altLang="en-US"/>
           </a:p>
@@ -338,13 +346,16 @@
     </p:spTree>
     <p:extLst>
       <p:ext uri="{BB962C8B-B14F-4D97-AF65-F5344CB8AC3E}">
-        <p14:creationId xmlns:p14="http://schemas.microsoft.com/office/powerpoint/2010/main" val="3533027736"/>
+        <p14:creationId xmlns:p14="http://schemas.microsoft.com/office/powerpoint/2010/main" val="325800396"/>
       </p:ext>
     </p:extLst>
   </p:cSld>
   <p:clrMapOvr>
     <a:masterClrMapping/>
   </p:clrMapOvr>
+  <p:transition spd="med">
+    <p:wheel spokes="1"/>
+  </p:transition>
 </p:sldLayout>
 </file>
 
@@ -602,7 +613,7 @@
           <a:p>
             <a:fld id="{75441F6B-7C21-495A-BA83-33C5DC65E3DC}" type="datetimeFigureOut">
               <a:rPr lang="zh-CN" altLang="en-US" smtClean="0"/>
-              <a:t>2020/9/20</a:t>
+              <a:t>2020/9/21</a:t>
             </a:fld>
             <a:endParaRPr lang="zh-CN" altLang="en-US"/>
           </a:p>
@@ -653,13 +664,16 @@
     </p:spTree>
     <p:extLst>
       <p:ext uri="{BB962C8B-B14F-4D97-AF65-F5344CB8AC3E}">
-        <p14:creationId xmlns:p14="http://schemas.microsoft.com/office/powerpoint/2010/main" val="4224195446"/>
+        <p14:creationId xmlns:p14="http://schemas.microsoft.com/office/powerpoint/2010/main" val="2648557254"/>
       </p:ext>
     </p:extLst>
   </p:cSld>
   <p:clrMapOvr>
     <a:masterClrMapping/>
   </p:clrMapOvr>
+  <p:transition spd="med">
+    <p:wheel spokes="1"/>
+  </p:transition>
 </p:sldLayout>
 </file>
 
@@ -824,7 +838,7 @@
           <a:p>
             <a:fld id="{75441F6B-7C21-495A-BA83-33C5DC65E3DC}" type="datetimeFigureOut">
               <a:rPr lang="zh-CN" altLang="en-US" smtClean="0"/>
-              <a:t>2020/9/20</a:t>
+              <a:t>2020/9/21</a:t>
             </a:fld>
             <a:endParaRPr lang="zh-CN" altLang="en-US"/>
           </a:p>
@@ -875,13 +889,16 @@
     </p:spTree>
     <p:extLst>
       <p:ext uri="{BB962C8B-B14F-4D97-AF65-F5344CB8AC3E}">
-        <p14:creationId xmlns:p14="http://schemas.microsoft.com/office/powerpoint/2010/main" val="1427984079"/>
+        <p14:creationId xmlns:p14="http://schemas.microsoft.com/office/powerpoint/2010/main" val="2998909108"/>
       </p:ext>
     </p:extLst>
   </p:cSld>
   <p:clrMapOvr>
     <a:masterClrMapping/>
   </p:clrMapOvr>
+  <p:transition spd="med">
+    <p:wheel spokes="1"/>
+  </p:transition>
 </p:sldLayout>
 </file>
 
@@ -1115,7 +1132,7 @@
           <a:p>
             <a:fld id="{75441F6B-7C21-495A-BA83-33C5DC65E3DC}" type="datetimeFigureOut">
               <a:rPr lang="zh-CN" altLang="en-US" smtClean="0"/>
-              <a:t>2020/9/20</a:t>
+              <a:t>2020/9/21</a:t>
             </a:fld>
             <a:endParaRPr lang="zh-CN" altLang="en-US"/>
           </a:p>
@@ -1398,13 +1415,16 @@
     </p:spTree>
     <p:extLst>
       <p:ext uri="{BB962C8B-B14F-4D97-AF65-F5344CB8AC3E}">
-        <p14:creationId xmlns:p14="http://schemas.microsoft.com/office/powerpoint/2010/main" val="1163721656"/>
+        <p14:creationId xmlns:p14="http://schemas.microsoft.com/office/powerpoint/2010/main" val="3792022218"/>
       </p:ext>
     </p:extLst>
   </p:cSld>
   <p:clrMapOvr>
     <a:masterClrMapping/>
   </p:clrMapOvr>
+  <p:transition spd="med">
+    <p:wheel spokes="1"/>
+  </p:transition>
 </p:sldLayout>
 </file>
 
@@ -1569,7 +1589,7 @@
           <a:p>
             <a:fld id="{75441F6B-7C21-495A-BA83-33C5DC65E3DC}" type="datetimeFigureOut">
               <a:rPr lang="zh-CN" altLang="en-US" smtClean="0"/>
-              <a:t>2020/9/20</a:t>
+              <a:t>2020/9/21</a:t>
             </a:fld>
             <a:endParaRPr lang="zh-CN" altLang="en-US"/>
           </a:p>
@@ -1620,13 +1640,16 @@
     </p:spTree>
     <p:extLst>
       <p:ext uri="{BB962C8B-B14F-4D97-AF65-F5344CB8AC3E}">
-        <p14:creationId xmlns:p14="http://schemas.microsoft.com/office/powerpoint/2010/main" val="973283458"/>
+        <p14:creationId xmlns:p14="http://schemas.microsoft.com/office/powerpoint/2010/main" val="2422251922"/>
       </p:ext>
     </p:extLst>
   </p:cSld>
   <p:clrMapOvr>
     <a:masterClrMapping/>
   </p:clrMapOvr>
+  <p:transition spd="med">
+    <p:wheel spokes="1"/>
+  </p:transition>
 </p:sldLayout>
 </file>
 
@@ -2145,7 +2168,7 @@
           <a:p>
             <a:fld id="{75441F6B-7C21-495A-BA83-33C5DC65E3DC}" type="datetimeFigureOut">
               <a:rPr lang="zh-CN" altLang="en-US" smtClean="0"/>
-              <a:t>2020/9/20</a:t>
+              <a:t>2020/9/21</a:t>
             </a:fld>
             <a:endParaRPr lang="zh-CN" altLang="en-US"/>
           </a:p>
@@ -2196,13 +2219,16 @@
     </p:spTree>
     <p:extLst>
       <p:ext uri="{BB962C8B-B14F-4D97-AF65-F5344CB8AC3E}">
-        <p14:creationId xmlns:p14="http://schemas.microsoft.com/office/powerpoint/2010/main" val="3455013679"/>
+        <p14:creationId xmlns:p14="http://schemas.microsoft.com/office/powerpoint/2010/main" val="2296177631"/>
       </p:ext>
     </p:extLst>
   </p:cSld>
   <p:clrMapOvr>
     <a:masterClrMapping/>
   </p:clrMapOvr>
+  <p:transition spd="med">
+    <p:wheel spokes="1"/>
+  </p:transition>
 </p:sldLayout>
 </file>
 
@@ -3006,7 +3032,7 @@
           <a:p>
             <a:fld id="{75441F6B-7C21-495A-BA83-33C5DC65E3DC}" type="datetimeFigureOut">
               <a:rPr lang="zh-CN" altLang="en-US" smtClean="0"/>
-              <a:t>2020/9/20</a:t>
+              <a:t>2020/9/21</a:t>
             </a:fld>
             <a:endParaRPr lang="zh-CN" altLang="en-US"/>
           </a:p>
@@ -3057,13 +3083,16 @@
     </p:spTree>
     <p:extLst>
       <p:ext uri="{BB962C8B-B14F-4D97-AF65-F5344CB8AC3E}">
-        <p14:creationId xmlns:p14="http://schemas.microsoft.com/office/powerpoint/2010/main" val="1574981097"/>
+        <p14:creationId xmlns:p14="http://schemas.microsoft.com/office/powerpoint/2010/main" val="2764302902"/>
       </p:ext>
     </p:extLst>
   </p:cSld>
   <p:clrMapOvr>
     <a:masterClrMapping/>
   </p:clrMapOvr>
+  <p:transition spd="med">
+    <p:wheel spokes="1"/>
+  </p:transition>
 </p:sldLayout>
 </file>
 
@@ -3211,7 +3240,7 @@
           <a:p>
             <a:fld id="{75441F6B-7C21-495A-BA83-33C5DC65E3DC}" type="datetimeFigureOut">
               <a:rPr lang="zh-CN" altLang="en-US" smtClean="0"/>
-              <a:t>2020/9/20</a:t>
+              <a:t>2020/9/21</a:t>
             </a:fld>
             <a:endParaRPr lang="zh-CN" altLang="en-US"/>
           </a:p>
@@ -3262,13 +3291,16 @@
     </p:spTree>
     <p:extLst>
       <p:ext uri="{BB962C8B-B14F-4D97-AF65-F5344CB8AC3E}">
-        <p14:creationId xmlns:p14="http://schemas.microsoft.com/office/powerpoint/2010/main" val="1109786087"/>
+        <p14:creationId xmlns:p14="http://schemas.microsoft.com/office/powerpoint/2010/main" val="4288492074"/>
       </p:ext>
     </p:extLst>
   </p:cSld>
   <p:clrMapOvr>
     <a:masterClrMapping/>
   </p:clrMapOvr>
+  <p:transition spd="med">
+    <p:wheel spokes="1"/>
+  </p:transition>
 </p:sldLayout>
 </file>
 
@@ -3425,7 +3457,7 @@
           <a:p>
             <a:fld id="{75441F6B-7C21-495A-BA83-33C5DC65E3DC}" type="datetimeFigureOut">
               <a:rPr lang="zh-CN" altLang="en-US" smtClean="0"/>
-              <a:t>2020/9/20</a:t>
+              <a:t>2020/9/21</a:t>
             </a:fld>
             <a:endParaRPr lang="zh-CN" altLang="en-US"/>
           </a:p>
@@ -3476,211 +3508,16 @@
     </p:spTree>
     <p:extLst>
       <p:ext uri="{BB962C8B-B14F-4D97-AF65-F5344CB8AC3E}">
-        <p14:creationId xmlns:p14="http://schemas.microsoft.com/office/powerpoint/2010/main" val="3399840453"/>
+        <p14:creationId xmlns:p14="http://schemas.microsoft.com/office/powerpoint/2010/main" val="574336345"/>
       </p:ext>
     </p:extLst>
   </p:cSld>
   <p:clrMapOvr>
     <a:masterClrMapping/>
   </p:clrMapOvr>
-</p:sldLayout>
-</file>
-
-<file path=ppt/slideLayouts/slideLayout18.xml><?xml version="1.0" encoding="utf-8"?>
-<p:sldLayout xmlns:a="http://schemas.openxmlformats.org/drawingml/2006/main" xmlns:r="http://schemas.openxmlformats.org/officeDocument/2006/relationships" xmlns:p="http://schemas.openxmlformats.org/presentationml/2006/main" type="obj">
-  <p:cSld name="1_标题和内容">
-    <p:spTree>
-      <p:nvGrpSpPr>
-        <p:cNvPr id="1" name=""/>
-        <p:cNvGrpSpPr/>
-        <p:nvPr/>
-      </p:nvGrpSpPr>
-      <p:grpSpPr>
-        <a:xfrm>
-          <a:off x="0" y="0"/>
-          <a:ext cx="0" cy="0"/>
-          <a:chOff x="0" y="0"/>
-          <a:chExt cx="0" cy="0"/>
-        </a:xfrm>
-      </p:grpSpPr>
-      <p:sp>
-        <p:nvSpPr>
-          <p:cNvPr id="2" name="标题 1">
-            <a:extLst>
-              <a:ext uri="{FF2B5EF4-FFF2-40B4-BE49-F238E27FC236}">
-                <a16:creationId xmlns:a16="http://schemas.microsoft.com/office/drawing/2014/main" id="{9E2BA04A-8F10-4142-AF80-9FA9196B3E09}"/>
-              </a:ext>
-            </a:extLst>
-          </p:cNvPr>
-          <p:cNvSpPr>
-            <a:spLocks noGrp="1"/>
-          </p:cNvSpPr>
-          <p:nvPr>
-            <p:ph type="title"/>
-          </p:nvPr>
-        </p:nvSpPr>
-        <p:spPr/>
-        <p:txBody>
-          <a:bodyPr/>
-          <a:lstStyle/>
-          <a:p>
-            <a:r>
-              <a:rPr lang="zh-CN" altLang="en-US"/>
-              <a:t>单击此处编辑母版标题样式</a:t>
-            </a:r>
-          </a:p>
-        </p:txBody>
-      </p:sp>
-      <p:sp>
-        <p:nvSpPr>
-          <p:cNvPr id="3" name="内容占位符 2">
-            <a:extLst>
-              <a:ext uri="{FF2B5EF4-FFF2-40B4-BE49-F238E27FC236}">
-                <a16:creationId xmlns:a16="http://schemas.microsoft.com/office/drawing/2014/main" id="{8C010614-E98E-43C9-B9C0-F5F2B707B545}"/>
-              </a:ext>
-            </a:extLst>
-          </p:cNvPr>
-          <p:cNvSpPr>
-            <a:spLocks noGrp="1"/>
-          </p:cNvSpPr>
-          <p:nvPr>
-            <p:ph idx="1"/>
-          </p:nvPr>
-        </p:nvSpPr>
-        <p:spPr/>
-        <p:txBody>
-          <a:bodyPr/>
-          <a:lstStyle/>
-          <a:p>
-            <a:pPr lvl="0"/>
-            <a:r>
-              <a:rPr lang="zh-CN" altLang="en-US"/>
-              <a:t>单击此处编辑母版文本样式</a:t>
-            </a:r>
-          </a:p>
-          <a:p>
-            <a:pPr lvl="1"/>
-            <a:r>
-              <a:rPr lang="zh-CN" altLang="en-US"/>
-              <a:t>二级</a:t>
-            </a:r>
-          </a:p>
-          <a:p>
-            <a:pPr lvl="2"/>
-            <a:r>
-              <a:rPr lang="zh-CN" altLang="en-US"/>
-              <a:t>三级</a:t>
-            </a:r>
-          </a:p>
-          <a:p>
-            <a:pPr lvl="3"/>
-            <a:r>
-              <a:rPr lang="zh-CN" altLang="en-US"/>
-              <a:t>四级</a:t>
-            </a:r>
-          </a:p>
-          <a:p>
-            <a:pPr lvl="4"/>
-            <a:r>
-              <a:rPr lang="zh-CN" altLang="en-US"/>
-              <a:t>五级</a:t>
-            </a:r>
-          </a:p>
-        </p:txBody>
-      </p:sp>
-      <p:sp>
-        <p:nvSpPr>
-          <p:cNvPr id="4" name="日期占位符 3">
-            <a:extLst>
-              <a:ext uri="{FF2B5EF4-FFF2-40B4-BE49-F238E27FC236}">
-                <a16:creationId xmlns:a16="http://schemas.microsoft.com/office/drawing/2014/main" id="{13B738E5-A5D3-4DA5-AC51-C45603C33967}"/>
-              </a:ext>
-            </a:extLst>
-          </p:cNvPr>
-          <p:cNvSpPr>
-            <a:spLocks noGrp="1"/>
-          </p:cNvSpPr>
-          <p:nvPr>
-            <p:ph type="dt" sz="half" idx="10"/>
-          </p:nvPr>
-        </p:nvSpPr>
-        <p:spPr/>
-        <p:txBody>
-          <a:bodyPr/>
-          <a:lstStyle/>
-          <a:p>
-            <a:fld id="{75441F6B-7C21-495A-BA83-33C5DC65E3DC}" type="datetimeFigureOut">
-              <a:rPr lang="zh-CN" altLang="en-US" smtClean="0"/>
-              <a:t>2020/9/20</a:t>
-            </a:fld>
-            <a:endParaRPr lang="zh-CN" altLang="en-US"/>
-          </a:p>
-        </p:txBody>
-      </p:sp>
-      <p:sp>
-        <p:nvSpPr>
-          <p:cNvPr id="5" name="页脚占位符 4">
-            <a:extLst>
-              <a:ext uri="{FF2B5EF4-FFF2-40B4-BE49-F238E27FC236}">
-                <a16:creationId xmlns:a16="http://schemas.microsoft.com/office/drawing/2014/main" id="{7322F2BC-0214-40B4-B188-531CDFD6A23E}"/>
-              </a:ext>
-            </a:extLst>
-          </p:cNvPr>
-          <p:cNvSpPr>
-            <a:spLocks noGrp="1"/>
-          </p:cNvSpPr>
-          <p:nvPr>
-            <p:ph type="ftr" sz="quarter" idx="11"/>
-          </p:nvPr>
-        </p:nvSpPr>
-        <p:spPr/>
-        <p:txBody>
-          <a:bodyPr/>
-          <a:lstStyle/>
-          <a:p>
-            <a:endParaRPr lang="zh-CN" altLang="en-US"/>
-          </a:p>
-        </p:txBody>
-      </p:sp>
-      <p:sp>
-        <p:nvSpPr>
-          <p:cNvPr id="6" name="灯片编号占位符 5">
-            <a:extLst>
-              <a:ext uri="{FF2B5EF4-FFF2-40B4-BE49-F238E27FC236}">
-                <a16:creationId xmlns:a16="http://schemas.microsoft.com/office/drawing/2014/main" id="{B22FCE6D-E7CB-44E8-A751-C15E7AD02344}"/>
-              </a:ext>
-            </a:extLst>
-          </p:cNvPr>
-          <p:cNvSpPr>
-            <a:spLocks noGrp="1"/>
-          </p:cNvSpPr>
-          <p:nvPr>
-            <p:ph type="sldNum" sz="quarter" idx="12"/>
-          </p:nvPr>
-        </p:nvSpPr>
-        <p:spPr/>
-        <p:txBody>
-          <a:bodyPr/>
-          <a:lstStyle/>
-          <a:p>
-            <a:fld id="{477104A6-3779-4F03-B87B-08B3EF755BA1}" type="slidenum">
-              <a:rPr lang="zh-CN" altLang="en-US" smtClean="0"/>
-              <a:t>‹#›</a:t>
-            </a:fld>
-            <a:endParaRPr lang="zh-CN" altLang="en-US"/>
-          </a:p>
-        </p:txBody>
-      </p:sp>
-    </p:spTree>
-    <p:extLst>
-      <p:ext uri="{BB962C8B-B14F-4D97-AF65-F5344CB8AC3E}">
-        <p14:creationId xmlns:p14="http://schemas.microsoft.com/office/powerpoint/2010/main" val="2982446384"/>
-      </p:ext>
-    </p:extLst>
-  </p:cSld>
-  <p:clrMapOvr>
-    <a:masterClrMapping/>
-  </p:clrMapOvr>
+  <p:transition spd="med">
+    <p:wheel spokes="1"/>
+  </p:transition>
 </p:sldLayout>
 </file>
 
@@ -3828,7 +3665,7 @@
           <a:p>
             <a:fld id="{75441F6B-7C21-495A-BA83-33C5DC65E3DC}" type="datetimeFigureOut">
               <a:rPr lang="zh-CN" altLang="en-US" smtClean="0"/>
-              <a:t>2020/9/20</a:t>
+              <a:t>2020/9/21</a:t>
             </a:fld>
             <a:endParaRPr lang="zh-CN" altLang="en-US"/>
           </a:p>
@@ -3879,13 +3716,16 @@
     </p:spTree>
     <p:extLst>
       <p:ext uri="{BB962C8B-B14F-4D97-AF65-F5344CB8AC3E}">
-        <p14:creationId xmlns:p14="http://schemas.microsoft.com/office/powerpoint/2010/main" val="2709297416"/>
+        <p14:creationId xmlns:p14="http://schemas.microsoft.com/office/powerpoint/2010/main" val="4158219430"/>
       </p:ext>
     </p:extLst>
   </p:cSld>
   <p:clrMapOvr>
     <a:masterClrMapping/>
   </p:clrMapOvr>
+  <p:transition spd="med">
+    <p:wheel spokes="1"/>
+  </p:transition>
 </p:sldLayout>
 </file>
 
@@ -3995,8 +3835,8 @@
               <a:buNone/>
               <a:defRPr sz="2000">
                 <a:solidFill>
-                  <a:schemeClr val="tx1">
-                    <a:lumMod val="75000"/>
+                  <a:schemeClr val="bg1">
+                    <a:lumMod val="50000"/>
                   </a:schemeClr>
                 </a:solidFill>
               </a:defRPr>
@@ -4108,7 +3948,7 @@
           <a:p>
             <a:fld id="{75441F6B-7C21-495A-BA83-33C5DC65E3DC}" type="datetimeFigureOut">
               <a:rPr lang="zh-CN" altLang="en-US" smtClean="0"/>
-              <a:t>2020/9/20</a:t>
+              <a:t>2020/9/21</a:t>
             </a:fld>
             <a:endParaRPr lang="zh-CN" altLang="en-US"/>
           </a:p>
@@ -4159,13 +3999,16 @@
     </p:spTree>
     <p:extLst>
       <p:ext uri="{BB962C8B-B14F-4D97-AF65-F5344CB8AC3E}">
-        <p14:creationId xmlns:p14="http://schemas.microsoft.com/office/powerpoint/2010/main" val="1205713823"/>
+        <p14:creationId xmlns:p14="http://schemas.microsoft.com/office/powerpoint/2010/main" val="3922290072"/>
       </p:ext>
     </p:extLst>
   </p:cSld>
   <p:clrMapOvr>
     <a:masterClrMapping/>
   </p:clrMapOvr>
+  <p:transition spd="med">
+    <p:wheel spokes="1"/>
+  </p:transition>
 </p:sldLayout>
 </file>
 
@@ -4375,7 +4218,7 @@
           <a:p>
             <a:fld id="{75441F6B-7C21-495A-BA83-33C5DC65E3DC}" type="datetimeFigureOut">
               <a:rPr lang="zh-CN" altLang="en-US" smtClean="0"/>
-              <a:t>2020/9/20</a:t>
+              <a:t>2020/9/21</a:t>
             </a:fld>
             <a:endParaRPr lang="zh-CN" altLang="en-US"/>
           </a:p>
@@ -4426,13 +4269,16 @@
     </p:spTree>
     <p:extLst>
       <p:ext uri="{BB962C8B-B14F-4D97-AF65-F5344CB8AC3E}">
-        <p14:creationId xmlns:p14="http://schemas.microsoft.com/office/powerpoint/2010/main" val="2561155076"/>
+        <p14:creationId xmlns:p14="http://schemas.microsoft.com/office/powerpoint/2010/main" val="3125380232"/>
       </p:ext>
     </p:extLst>
   </p:cSld>
   <p:clrMapOvr>
     <a:masterClrMapping/>
   </p:clrMapOvr>
+  <p:transition spd="med">
+    <p:wheel spokes="1"/>
+  </p:transition>
 </p:sldLayout>
 </file>
 
@@ -4790,7 +4636,7 @@
           <a:p>
             <a:fld id="{75441F6B-7C21-495A-BA83-33C5DC65E3DC}" type="datetimeFigureOut">
               <a:rPr lang="zh-CN" altLang="en-US" smtClean="0"/>
-              <a:t>2020/9/20</a:t>
+              <a:t>2020/9/21</a:t>
             </a:fld>
             <a:endParaRPr lang="zh-CN" altLang="en-US"/>
           </a:p>
@@ -4841,13 +4687,16 @@
     </p:spTree>
     <p:extLst>
       <p:ext uri="{BB962C8B-B14F-4D97-AF65-F5344CB8AC3E}">
-        <p14:creationId xmlns:p14="http://schemas.microsoft.com/office/powerpoint/2010/main" val="3904812868"/>
+        <p14:creationId xmlns:p14="http://schemas.microsoft.com/office/powerpoint/2010/main" val="2124548959"/>
       </p:ext>
     </p:extLst>
   </p:cSld>
   <p:clrMapOvr>
     <a:masterClrMapping/>
   </p:clrMapOvr>
+  <p:transition spd="med">
+    <p:wheel spokes="1"/>
+  </p:transition>
 </p:sldLayout>
 </file>
 
@@ -4938,7 +4787,7 @@
           <a:p>
             <a:fld id="{75441F6B-7C21-495A-BA83-33C5DC65E3DC}" type="datetimeFigureOut">
               <a:rPr lang="zh-CN" altLang="en-US" smtClean="0"/>
-              <a:t>2020/9/20</a:t>
+              <a:t>2020/9/21</a:t>
             </a:fld>
             <a:endParaRPr lang="zh-CN" altLang="en-US"/>
           </a:p>
@@ -4989,13 +4838,16 @@
     </p:spTree>
     <p:extLst>
       <p:ext uri="{BB962C8B-B14F-4D97-AF65-F5344CB8AC3E}">
-        <p14:creationId xmlns:p14="http://schemas.microsoft.com/office/powerpoint/2010/main" val="2276639257"/>
+        <p14:creationId xmlns:p14="http://schemas.microsoft.com/office/powerpoint/2010/main" val="3783808686"/>
       </p:ext>
     </p:extLst>
   </p:cSld>
   <p:clrMapOvr>
     <a:masterClrMapping/>
   </p:clrMapOvr>
+  <p:transition spd="med">
+    <p:wheel spokes="1"/>
+  </p:transition>
 </p:sldLayout>
 </file>
 
@@ -5063,7 +4915,7 @@
           <a:p>
             <a:fld id="{75441F6B-7C21-495A-BA83-33C5DC65E3DC}" type="datetimeFigureOut">
               <a:rPr lang="zh-CN" altLang="en-US" smtClean="0"/>
-              <a:t>2020/9/20</a:t>
+              <a:t>2020/9/21</a:t>
             </a:fld>
             <a:endParaRPr lang="zh-CN" altLang="en-US"/>
           </a:p>
@@ -5114,13 +4966,16 @@
     </p:spTree>
     <p:extLst>
       <p:ext uri="{BB962C8B-B14F-4D97-AF65-F5344CB8AC3E}">
-        <p14:creationId xmlns:p14="http://schemas.microsoft.com/office/powerpoint/2010/main" val="2182799284"/>
+        <p14:creationId xmlns:p14="http://schemas.microsoft.com/office/powerpoint/2010/main" val="645798910"/>
       </p:ext>
     </p:extLst>
   </p:cSld>
   <p:clrMapOvr>
     <a:masterClrMapping/>
   </p:clrMapOvr>
+  <p:transition spd="med">
+    <p:wheel spokes="1"/>
+  </p:transition>
 </p:sldLayout>
 </file>
 
@@ -5342,7 +5197,7 @@
           <a:p>
             <a:fld id="{75441F6B-7C21-495A-BA83-33C5DC65E3DC}" type="datetimeFigureOut">
               <a:rPr lang="zh-CN" altLang="en-US" smtClean="0"/>
-              <a:t>2020/9/20</a:t>
+              <a:t>2020/9/21</a:t>
             </a:fld>
             <a:endParaRPr lang="zh-CN" altLang="en-US"/>
           </a:p>
@@ -5393,13 +5248,16 @@
     </p:spTree>
     <p:extLst>
       <p:ext uri="{BB962C8B-B14F-4D97-AF65-F5344CB8AC3E}">
-        <p14:creationId xmlns:p14="http://schemas.microsoft.com/office/powerpoint/2010/main" val="3548549517"/>
+        <p14:creationId xmlns:p14="http://schemas.microsoft.com/office/powerpoint/2010/main" val="3478165060"/>
       </p:ext>
     </p:extLst>
   </p:cSld>
   <p:clrMapOvr>
     <a:masterClrMapping/>
   </p:clrMapOvr>
+  <p:transition spd="med">
+    <p:wheel spokes="1"/>
+  </p:transition>
 </p:sldLayout>
 </file>
 
@@ -5657,7 +5515,7 @@
           <a:p>
             <a:fld id="{75441F6B-7C21-495A-BA83-33C5DC65E3DC}" type="datetimeFigureOut">
               <a:rPr lang="zh-CN" altLang="en-US" smtClean="0"/>
-              <a:t>2020/9/20</a:t>
+              <a:t>2020/9/21</a:t>
             </a:fld>
             <a:endParaRPr lang="zh-CN" altLang="en-US"/>
           </a:p>
@@ -5708,13 +5566,16 @@
     </p:spTree>
     <p:extLst>
       <p:ext uri="{BB962C8B-B14F-4D97-AF65-F5344CB8AC3E}">
-        <p14:creationId xmlns:p14="http://schemas.microsoft.com/office/powerpoint/2010/main" val="975987799"/>
+        <p14:creationId xmlns:p14="http://schemas.microsoft.com/office/powerpoint/2010/main" val="306156986"/>
       </p:ext>
     </p:extLst>
   </p:cSld>
   <p:clrMapOvr>
     <a:masterClrMapping/>
   </p:clrMapOvr>
+  <p:transition spd="med">
+    <p:wheel spokes="1"/>
+  </p:transition>
 </p:sldLayout>
 </file>
 
@@ -5722,8 +5583,8 @@
 <p:sldMaster xmlns:a="http://schemas.openxmlformats.org/drawingml/2006/main" xmlns:r="http://schemas.openxmlformats.org/officeDocument/2006/relationships" xmlns:p="http://schemas.openxmlformats.org/presentationml/2006/main">
   <p:cSld>
     <p:bg>
-      <p:bgRef idx="1001">
-        <a:schemeClr val="bg1"/>
+      <p:bgRef idx="1003">
+        <a:schemeClr val="bg2"/>
       </p:bgRef>
     </p:bg>
     <p:spTree>
@@ -5749,8 +5610,8 @@
           <p:nvPr/>
         </p:nvPicPr>
         <p:blipFill>
-          <a:blip r:embed="rId20">
-            <a:alphaModFix amt="40000"/>
+          <a:blip r:embed="rId19">
+            <a:alphaModFix amt="80000"/>
             <a:extLst>
               <a:ext uri="{28A0092B-C50C-407E-A947-70E740481C1C}">
                 <a14:useLocalDpi xmlns:a14="http://schemas.microsoft.com/office/drawing/2010/main" val="0"/>
@@ -5910,7 +5771,7 @@
           <a:p>
             <a:fld id="{75441F6B-7C21-495A-BA83-33C5DC65E3DC}" type="datetimeFigureOut">
               <a:rPr lang="zh-CN" altLang="en-US" smtClean="0"/>
-              <a:t>2020/9/20</a:t>
+              <a:t>2020/9/21</a:t>
             </a:fld>
             <a:endParaRPr lang="zh-CN" altLang="en-US"/>
           </a:p>
@@ -5993,31 +5854,33 @@
     </p:spTree>
     <p:extLst>
       <p:ext uri="{BB962C8B-B14F-4D97-AF65-F5344CB8AC3E}">
-        <p14:creationId xmlns:p14="http://schemas.microsoft.com/office/powerpoint/2010/main" val="63446368"/>
+        <p14:creationId xmlns:p14="http://schemas.microsoft.com/office/powerpoint/2010/main" val="3412870475"/>
       </p:ext>
     </p:extLst>
   </p:cSld>
-  <p:clrMap bg1="dk1" tx1="lt1" bg2="dk2" tx2="lt2" accent1="accent1" accent2="accent2" accent3="accent3" accent4="accent4" accent5="accent5" accent6="accent6" hlink="hlink" folHlink="folHlink"/>
+  <p:clrMap bg1="lt1" tx1="dk1" bg2="lt2" tx2="dk2" accent1="accent1" accent2="accent2" accent3="accent3" accent4="accent4" accent5="accent5" accent6="accent6" hlink="hlink" folHlink="folHlink"/>
   <p:sldLayoutIdLst>
-    <p:sldLayoutId id="2147483680" r:id="rId1"/>
-    <p:sldLayoutId id="2147483681" r:id="rId2"/>
-    <p:sldLayoutId id="2147483682" r:id="rId3"/>
-    <p:sldLayoutId id="2147483683" r:id="rId4"/>
-    <p:sldLayoutId id="2147483684" r:id="rId5"/>
-    <p:sldLayoutId id="2147483685" r:id="rId6"/>
-    <p:sldLayoutId id="2147483686" r:id="rId7"/>
-    <p:sldLayoutId id="2147483687" r:id="rId8"/>
-    <p:sldLayoutId id="2147483688" r:id="rId9"/>
-    <p:sldLayoutId id="2147483689" r:id="rId10"/>
-    <p:sldLayoutId id="2147483690" r:id="rId11"/>
-    <p:sldLayoutId id="2147483691" r:id="rId12"/>
-    <p:sldLayoutId id="2147483692" r:id="rId13"/>
-    <p:sldLayoutId id="2147483693" r:id="rId14"/>
-    <p:sldLayoutId id="2147483694" r:id="rId15"/>
-    <p:sldLayoutId id="2147483695" r:id="rId16"/>
-    <p:sldLayoutId id="2147483696" r:id="rId17"/>
-    <p:sldLayoutId id="2147483697" r:id="rId18"/>
+    <p:sldLayoutId id="2147483699" r:id="rId1"/>
+    <p:sldLayoutId id="2147483700" r:id="rId2"/>
+    <p:sldLayoutId id="2147483701" r:id="rId3"/>
+    <p:sldLayoutId id="2147483702" r:id="rId4"/>
+    <p:sldLayoutId id="2147483703" r:id="rId5"/>
+    <p:sldLayoutId id="2147483704" r:id="rId6"/>
+    <p:sldLayoutId id="2147483705" r:id="rId7"/>
+    <p:sldLayoutId id="2147483706" r:id="rId8"/>
+    <p:sldLayoutId id="2147483707" r:id="rId9"/>
+    <p:sldLayoutId id="2147483708" r:id="rId10"/>
+    <p:sldLayoutId id="2147483709" r:id="rId11"/>
+    <p:sldLayoutId id="2147483710" r:id="rId12"/>
+    <p:sldLayoutId id="2147483711" r:id="rId13"/>
+    <p:sldLayoutId id="2147483712" r:id="rId14"/>
+    <p:sldLayoutId id="2147483713" r:id="rId15"/>
+    <p:sldLayoutId id="2147483714" r:id="rId16"/>
+    <p:sldLayoutId id="2147483715" r:id="rId17"/>
   </p:sldLayoutIdLst>
+  <p:transition spd="med">
+    <p:wheel spokes="1"/>
+  </p:transition>
   <p:txStyles>
     <p:titleStyle>
       <a:lvl1pPr algn="ctr" defTabSz="914400" rtl="0" eaLnBrk="1" latinLnBrk="0" hangingPunct="1">
@@ -6032,13 +5895,7 @@
           <a:solidFill>
             <a:schemeClr val="tx1"/>
           </a:solidFill>
-          <a:effectLst>
-            <a:outerShdw blurRad="38100" dist="38100" dir="2700000" algn="tl">
-              <a:srgbClr val="000000">
-                <a:alpha val="43137"/>
-              </a:srgbClr>
-            </a:outerShdw>
-          </a:effectLst>
+          <a:effectLst/>
           <a:latin typeface="+mj-lt"/>
           <a:ea typeface="+mj-ea"/>
           <a:cs typeface="+mj-cs"/>
@@ -6062,13 +5919,7 @@
           <a:solidFill>
             <a:schemeClr val="tx1"/>
           </a:solidFill>
-          <a:effectLst>
-            <a:outerShdw blurRad="47625" dist="12700" dir="2700000" algn="tl" rotWithShape="0">
-              <a:srgbClr val="000000">
-                <a:alpha val="36000"/>
-              </a:srgbClr>
-            </a:outerShdw>
-          </a:effectLst>
+          <a:effectLst/>
           <a:latin typeface="+mn-lt"/>
           <a:ea typeface="+mn-ea"/>
           <a:cs typeface="+mn-cs"/>
@@ -6090,13 +5941,7 @@
           <a:solidFill>
             <a:schemeClr val="tx1"/>
           </a:solidFill>
-          <a:effectLst>
-            <a:outerShdw blurRad="47625" dist="12700" dir="2700000" algn="tl" rotWithShape="0">
-              <a:srgbClr val="000000">
-                <a:alpha val="36000"/>
-              </a:srgbClr>
-            </a:outerShdw>
-          </a:effectLst>
+          <a:effectLst/>
           <a:latin typeface="+mn-lt"/>
           <a:ea typeface="+mn-ea"/>
           <a:cs typeface="+mn-cs"/>
@@ -6118,13 +5963,7 @@
           <a:solidFill>
             <a:schemeClr val="tx1"/>
           </a:solidFill>
-          <a:effectLst>
-            <a:outerShdw blurRad="47625" dist="12700" dir="2700000" algn="tl" rotWithShape="0">
-              <a:srgbClr val="000000">
-                <a:alpha val="36000"/>
-              </a:srgbClr>
-            </a:outerShdw>
-          </a:effectLst>
+          <a:effectLst/>
           <a:latin typeface="+mn-lt"/>
           <a:ea typeface="+mn-ea"/>
           <a:cs typeface="+mn-cs"/>
@@ -6146,13 +5985,7 @@
           <a:solidFill>
             <a:schemeClr val="tx1"/>
           </a:solidFill>
-          <a:effectLst>
-            <a:outerShdw blurRad="47625" dist="12700" dir="2700000" algn="tl" rotWithShape="0">
-              <a:srgbClr val="000000">
-                <a:alpha val="36000"/>
-              </a:srgbClr>
-            </a:outerShdw>
-          </a:effectLst>
+          <a:effectLst/>
           <a:latin typeface="+mn-lt"/>
           <a:ea typeface="+mn-ea"/>
           <a:cs typeface="+mn-cs"/>
@@ -6174,13 +6007,7 @@
           <a:solidFill>
             <a:schemeClr val="tx1"/>
           </a:solidFill>
-          <a:effectLst>
-            <a:outerShdw blurRad="47625" dist="12700" dir="2700000" algn="tl" rotWithShape="0">
-              <a:srgbClr val="000000">
-                <a:alpha val="36000"/>
-              </a:srgbClr>
-            </a:outerShdw>
-          </a:effectLst>
+          <a:effectLst/>
           <a:latin typeface="+mn-lt"/>
           <a:ea typeface="+mn-ea"/>
           <a:cs typeface="+mn-cs"/>
@@ -6202,13 +6029,7 @@
           <a:solidFill>
             <a:schemeClr val="tx1"/>
           </a:solidFill>
-          <a:effectLst>
-            <a:outerShdw blurRad="47625" dist="12700" dir="2700000" algn="tl" rotWithShape="0">
-              <a:srgbClr val="000000">
-                <a:alpha val="36000"/>
-              </a:srgbClr>
-            </a:outerShdw>
-          </a:effectLst>
+          <a:effectLst/>
           <a:latin typeface="+mn-lt"/>
           <a:ea typeface="+mn-ea"/>
           <a:cs typeface="+mn-cs"/>
@@ -6230,13 +6051,7 @@
           <a:solidFill>
             <a:schemeClr val="tx1"/>
           </a:solidFill>
-          <a:effectLst>
-            <a:outerShdw blurRad="47625" dist="12700" dir="2700000" algn="tl" rotWithShape="0">
-              <a:srgbClr val="000000">
-                <a:alpha val="36000"/>
-              </a:srgbClr>
-            </a:outerShdw>
-          </a:effectLst>
+          <a:effectLst/>
           <a:latin typeface="+mn-lt"/>
           <a:ea typeface="+mn-ea"/>
           <a:cs typeface="+mn-cs"/>
@@ -6258,13 +6073,7 @@
           <a:solidFill>
             <a:schemeClr val="tx1"/>
           </a:solidFill>
-          <a:effectLst>
-            <a:outerShdw blurRad="47625" dist="12700" dir="2700000" algn="tl" rotWithShape="0">
-              <a:srgbClr val="000000">
-                <a:alpha val="36000"/>
-              </a:srgbClr>
-            </a:outerShdw>
-          </a:effectLst>
+          <a:effectLst/>
           <a:latin typeface="+mn-lt"/>
           <a:ea typeface="+mn-ea"/>
           <a:cs typeface="+mn-cs"/>
@@ -6286,13 +6095,7 @@
           <a:solidFill>
             <a:schemeClr val="tx1"/>
           </a:solidFill>
-          <a:effectLst>
-            <a:outerShdw blurRad="47625" dist="12700" dir="2700000" algn="tl" rotWithShape="0">
-              <a:srgbClr val="000000">
-                <a:alpha val="36000"/>
-              </a:srgbClr>
-            </a:outerShdw>
-          </a:effectLst>
+          <a:effectLst/>
           <a:latin typeface="+mn-lt"/>
           <a:ea typeface="+mn-ea"/>
           <a:cs typeface="+mn-cs"/>
@@ -6431,13 +6234,20 @@
             <p:ph type="ctrTitle"/>
           </p:nvPr>
         </p:nvSpPr>
-        <p:spPr/>
-        <p:txBody>
-          <a:bodyPr/>
-          <a:lstStyle/>
-          <a:p>
-            <a:r>
-              <a:rPr lang="zh-CN" altLang="en-US" dirty="0"/>
+        <p:spPr>
+          <a:xfrm>
+            <a:off x="1751012" y="1300785"/>
+            <a:ext cx="8689976" cy="2128215"/>
+          </a:xfrm>
+        </p:spPr>
+        <p:txBody>
+          <a:bodyPr>
+            <a:normAutofit/>
+          </a:bodyPr>
+          <a:lstStyle/>
+          <a:p>
+            <a:r>
+              <a:rPr lang="zh-CN" altLang="en-US" sz="6000" dirty="0"/>
               <a:t>第四次汇报</a:t>
             </a:r>
           </a:p>
@@ -6459,20 +6269,27 @@
             <p:ph type="subTitle" idx="1"/>
           </p:nvPr>
         </p:nvSpPr>
-        <p:spPr/>
-        <p:txBody>
-          <a:bodyPr/>
-          <a:lstStyle/>
-          <a:p>
-            <a:r>
-              <a:rPr lang="zh-CN" altLang="en-US" dirty="0"/>
+        <p:spPr>
+          <a:xfrm>
+            <a:off x="1751012" y="3429000"/>
+            <a:ext cx="8689976" cy="1828799"/>
+          </a:xfrm>
+        </p:spPr>
+        <p:txBody>
+          <a:bodyPr>
+            <a:normAutofit/>
+          </a:bodyPr>
+          <a:lstStyle/>
+          <a:p>
+            <a:r>
+              <a:rPr lang="zh-CN" altLang="en-US" sz="2800" dirty="0"/>
               <a:t>未命名小组</a:t>
             </a:r>
-            <a:endParaRPr lang="en-US" altLang="zh-CN" dirty="0"/>
-          </a:p>
-          <a:p>
-            <a:r>
-              <a:rPr lang="zh-CN" altLang="en-US" dirty="0"/>
+            <a:endParaRPr lang="en-US" altLang="zh-CN" sz="2800" dirty="0"/>
+          </a:p>
+          <a:p>
+            <a:r>
+              <a:rPr lang="zh-CN" altLang="en-US" sz="2800" dirty="0"/>
               <a:t>网络被攻击过程图形化显示系统</a:t>
             </a:r>
           </a:p>
@@ -6488,6 +6305,9 @@
   <p:clrMapOvr>
     <a:masterClrMapping/>
   </p:clrMapOvr>
+  <p:transition spd="med">
+    <p:wheel spokes="1"/>
+  </p:transition>
 </p:sld>
 </file>
 
@@ -6513,6 +6333,413 @@
           <p:cNvPr id="2" name="标题 1">
             <a:extLst>
               <a:ext uri="{FF2B5EF4-FFF2-40B4-BE49-F238E27FC236}">
+                <a16:creationId xmlns:a16="http://schemas.microsoft.com/office/drawing/2014/main" id="{610B7C37-031C-4203-A23B-D4F0D405214C}"/>
+              </a:ext>
+            </a:extLst>
+          </p:cNvPr>
+          <p:cNvSpPr>
+            <a:spLocks noGrp="1"/>
+          </p:cNvSpPr>
+          <p:nvPr>
+            <p:ph type="title"/>
+          </p:nvPr>
+        </p:nvSpPr>
+        <p:spPr>
+          <a:xfrm>
+            <a:off x="913775" y="1061577"/>
+            <a:ext cx="5182225" cy="1596177"/>
+          </a:xfrm>
+        </p:spPr>
+        <p:txBody>
+          <a:bodyPr/>
+          <a:lstStyle/>
+          <a:p>
+            <a:pPr algn="l"/>
+            <a:r>
+              <a:rPr lang="zh-CN" altLang="en-US" dirty="0"/>
+              <a:t>会议记录</a:t>
+            </a:r>
+            <a:r>
+              <a:rPr lang="en-US" altLang="zh-CN" dirty="0"/>
+              <a:t>-</a:t>
+            </a:r>
+            <a:br>
+              <a:rPr lang="en-US" altLang="zh-CN" dirty="0"/>
+            </a:br>
+            <a:r>
+              <a:rPr lang="zh-CN" altLang="en-US" dirty="0"/>
+              <a:t>第六次会议</a:t>
+            </a:r>
+          </a:p>
+        </p:txBody>
+      </p:sp>
+      <p:pic>
+        <p:nvPicPr>
+          <p:cNvPr id="5" name="图片 4">
+            <a:extLst>
+              <a:ext uri="{FF2B5EF4-FFF2-40B4-BE49-F238E27FC236}">
+                <a16:creationId xmlns:a16="http://schemas.microsoft.com/office/drawing/2014/main" id="{4E167743-F8E0-480E-AD23-E3ADA62633EF}"/>
+              </a:ext>
+            </a:extLst>
+          </p:cNvPr>
+          <p:cNvPicPr/>
+          <p:nvPr/>
+        </p:nvPicPr>
+        <p:blipFill>
+          <a:blip r:embed="rId2" cstate="print">
+            <a:extLst>
+              <a:ext uri="{28A0092B-C50C-407E-A947-70E740481C1C}">
+                <a14:useLocalDpi xmlns:a14="http://schemas.microsoft.com/office/drawing/2010/main" val="0"/>
+              </a:ext>
+            </a:extLst>
+          </a:blip>
+          <a:srcRect/>
+          <a:stretch>
+            <a:fillRect/>
+          </a:stretch>
+        </p:blipFill>
+        <p:spPr bwMode="auto">
+          <a:xfrm>
+            <a:off x="3628526" y="628717"/>
+            <a:ext cx="7466821" cy="5600565"/>
+          </a:xfrm>
+          <a:prstGeom prst="rect">
+            <a:avLst/>
+          </a:prstGeom>
+          <a:noFill/>
+          <a:ln>
+            <a:noFill/>
+          </a:ln>
+        </p:spPr>
+      </p:pic>
+    </p:spTree>
+    <p:extLst>
+      <p:ext uri="{BB962C8B-B14F-4D97-AF65-F5344CB8AC3E}">
+        <p14:creationId xmlns:p14="http://schemas.microsoft.com/office/powerpoint/2010/main" val="444498625"/>
+      </p:ext>
+    </p:extLst>
+  </p:cSld>
+  <p:clrMapOvr>
+    <a:masterClrMapping/>
+  </p:clrMapOvr>
+  <p:transition spd="med">
+    <p:wheel spokes="1"/>
+  </p:transition>
+</p:sld>
+</file>
+
+<file path=ppt/slides/slide11.xml><?xml version="1.0" encoding="utf-8"?>
+<p:sld xmlns:a="http://schemas.openxmlformats.org/drawingml/2006/main" xmlns:r="http://schemas.openxmlformats.org/officeDocument/2006/relationships" xmlns:p="http://schemas.openxmlformats.org/presentationml/2006/main">
+  <p:cSld>
+    <p:spTree>
+      <p:nvGrpSpPr>
+        <p:cNvPr id="1" name=""/>
+        <p:cNvGrpSpPr/>
+        <p:nvPr/>
+      </p:nvGrpSpPr>
+      <p:grpSpPr>
+        <a:xfrm>
+          <a:off x="0" y="0"/>
+          <a:ext cx="0" cy="0"/>
+          <a:chOff x="0" y="0"/>
+          <a:chExt cx="0" cy="0"/>
+        </a:xfrm>
+      </p:grpSpPr>
+      <p:sp>
+        <p:nvSpPr>
+          <p:cNvPr id="4" name="标题 1">
+            <a:extLst>
+              <a:ext uri="{FF2B5EF4-FFF2-40B4-BE49-F238E27FC236}">
+                <a16:creationId xmlns:a16="http://schemas.microsoft.com/office/drawing/2014/main" id="{B3042F16-82E5-4A0C-A3B4-DF256F0AB63E}"/>
+              </a:ext>
+            </a:extLst>
+          </p:cNvPr>
+          <p:cNvSpPr txBox="1">
+            <a:spLocks/>
+          </p:cNvSpPr>
+          <p:nvPr/>
+        </p:nvSpPr>
+        <p:spPr>
+          <a:xfrm>
+            <a:off x="913775" y="1061577"/>
+            <a:ext cx="5182225" cy="1596177"/>
+          </a:xfrm>
+          <a:prstGeom prst="rect">
+            <a:avLst/>
+          </a:prstGeom>
+        </p:spPr>
+        <p:txBody>
+          <a:bodyPr vert="horz" lIns="91440" tIns="45720" rIns="91440" bIns="45720" rtlCol="0" anchor="ctr">
+            <a:normAutofit/>
+          </a:bodyPr>
+          <a:lstStyle>
+            <a:lvl1pPr algn="ctr" defTabSz="914400" rtl="0" eaLnBrk="1" latinLnBrk="0" hangingPunct="1">
+              <a:lnSpc>
+                <a:spcPct val="90000"/>
+              </a:lnSpc>
+              <a:spcBef>
+                <a:spcPct val="0"/>
+              </a:spcBef>
+              <a:buNone/>
+              <a:defRPr sz="3600" kern="1200" cap="all" baseline="0">
+                <a:solidFill>
+                  <a:schemeClr val="tx1"/>
+                </a:solidFill>
+                <a:effectLst>
+                  <a:outerShdw blurRad="38100" dist="38100" dir="2700000" algn="tl">
+                    <a:srgbClr val="000000">
+                      <a:alpha val="43137"/>
+                    </a:srgbClr>
+                  </a:outerShdw>
+                </a:effectLst>
+                <a:latin typeface="+mj-lt"/>
+                <a:ea typeface="+mj-ea"/>
+                <a:cs typeface="+mj-cs"/>
+              </a:defRPr>
+            </a:lvl1pPr>
+          </a:lstStyle>
+          <a:p>
+            <a:pPr algn="l"/>
+            <a:r>
+              <a:rPr lang="zh-CN" altLang="en-US" dirty="0"/>
+              <a:t>会议记录</a:t>
+            </a:r>
+            <a:r>
+              <a:rPr lang="en-US" altLang="zh-CN" dirty="0"/>
+              <a:t>-</a:t>
+            </a:r>
+            <a:br>
+              <a:rPr lang="en-US" altLang="zh-CN" dirty="0"/>
+            </a:br>
+            <a:r>
+              <a:rPr lang="zh-CN" altLang="en-US" dirty="0"/>
+              <a:t>第六次会议</a:t>
+            </a:r>
+          </a:p>
+        </p:txBody>
+      </p:sp>
+      <p:pic>
+        <p:nvPicPr>
+          <p:cNvPr id="5" name="图片 4">
+            <a:extLst>
+              <a:ext uri="{FF2B5EF4-FFF2-40B4-BE49-F238E27FC236}">
+                <a16:creationId xmlns:a16="http://schemas.microsoft.com/office/drawing/2014/main" id="{B925B8B8-069D-4552-BE4E-E897B390A093}"/>
+              </a:ext>
+            </a:extLst>
+          </p:cNvPr>
+          <p:cNvPicPr/>
+          <p:nvPr/>
+        </p:nvPicPr>
+        <p:blipFill>
+          <a:blip r:embed="rId2" cstate="print">
+            <a:extLst>
+              <a:ext uri="{28A0092B-C50C-407E-A947-70E740481C1C}">
+                <a14:useLocalDpi xmlns:a14="http://schemas.microsoft.com/office/drawing/2010/main" val="0"/>
+              </a:ext>
+            </a:extLst>
+          </a:blip>
+          <a:srcRect/>
+          <a:stretch>
+            <a:fillRect/>
+          </a:stretch>
+        </p:blipFill>
+        <p:spPr bwMode="auto">
+          <a:xfrm>
+            <a:off x="3883052" y="725487"/>
+            <a:ext cx="7208788" cy="5407025"/>
+          </a:xfrm>
+          <a:prstGeom prst="rect">
+            <a:avLst/>
+          </a:prstGeom>
+          <a:noFill/>
+          <a:ln>
+            <a:noFill/>
+          </a:ln>
+        </p:spPr>
+      </p:pic>
+    </p:spTree>
+    <p:extLst>
+      <p:ext uri="{BB962C8B-B14F-4D97-AF65-F5344CB8AC3E}">
+        <p14:creationId xmlns:p14="http://schemas.microsoft.com/office/powerpoint/2010/main" val="2583416176"/>
+      </p:ext>
+    </p:extLst>
+  </p:cSld>
+  <p:clrMapOvr>
+    <a:masterClrMapping/>
+  </p:clrMapOvr>
+  <p:transition spd="med">
+    <p:wheel spokes="1"/>
+  </p:transition>
+</p:sld>
+</file>
+
+<file path=ppt/slides/slide12.xml><?xml version="1.0" encoding="utf-8"?>
+<p:sld xmlns:a="http://schemas.openxmlformats.org/drawingml/2006/main" xmlns:r="http://schemas.openxmlformats.org/officeDocument/2006/relationships" xmlns:p="http://schemas.openxmlformats.org/presentationml/2006/main">
+  <p:cSld>
+    <p:spTree>
+      <p:nvGrpSpPr>
+        <p:cNvPr id="1" name=""/>
+        <p:cNvGrpSpPr/>
+        <p:nvPr/>
+      </p:nvGrpSpPr>
+      <p:grpSpPr>
+        <a:xfrm>
+          <a:off x="0" y="0"/>
+          <a:ext cx="0" cy="0"/>
+          <a:chOff x="0" y="0"/>
+          <a:chExt cx="0" cy="0"/>
+        </a:xfrm>
+      </p:grpSpPr>
+      <p:sp>
+        <p:nvSpPr>
+          <p:cNvPr id="5" name="标题 1">
+            <a:extLst>
+              <a:ext uri="{FF2B5EF4-FFF2-40B4-BE49-F238E27FC236}">
+                <a16:creationId xmlns:a16="http://schemas.microsoft.com/office/drawing/2014/main" id="{5E0E664C-C5F3-4716-B36C-B65D8478F1B6}"/>
+              </a:ext>
+            </a:extLst>
+          </p:cNvPr>
+          <p:cNvSpPr txBox="1">
+            <a:spLocks/>
+          </p:cNvSpPr>
+          <p:nvPr/>
+        </p:nvSpPr>
+        <p:spPr>
+          <a:xfrm>
+            <a:off x="913775" y="1061577"/>
+            <a:ext cx="5182225" cy="1596177"/>
+          </a:xfrm>
+          <a:prstGeom prst="rect">
+            <a:avLst/>
+          </a:prstGeom>
+        </p:spPr>
+        <p:txBody>
+          <a:bodyPr vert="horz" lIns="91440" tIns="45720" rIns="91440" bIns="45720" rtlCol="0" anchor="ctr">
+            <a:normAutofit/>
+          </a:bodyPr>
+          <a:lstStyle>
+            <a:lvl1pPr algn="ctr" defTabSz="914400" rtl="0" eaLnBrk="1" latinLnBrk="0" hangingPunct="1">
+              <a:lnSpc>
+                <a:spcPct val="90000"/>
+              </a:lnSpc>
+              <a:spcBef>
+                <a:spcPct val="0"/>
+              </a:spcBef>
+              <a:buNone/>
+              <a:defRPr sz="3600" kern="1200" cap="all" baseline="0">
+                <a:solidFill>
+                  <a:schemeClr val="tx1"/>
+                </a:solidFill>
+                <a:effectLst>
+                  <a:outerShdw blurRad="38100" dist="38100" dir="2700000" algn="tl">
+                    <a:srgbClr val="000000">
+                      <a:alpha val="43137"/>
+                    </a:srgbClr>
+                  </a:outerShdw>
+                </a:effectLst>
+                <a:latin typeface="+mj-lt"/>
+                <a:ea typeface="+mj-ea"/>
+                <a:cs typeface="+mj-cs"/>
+              </a:defRPr>
+            </a:lvl1pPr>
+          </a:lstStyle>
+          <a:p>
+            <a:pPr algn="l"/>
+            <a:r>
+              <a:rPr lang="zh-CN" altLang="en-US" dirty="0"/>
+              <a:t>会议记录</a:t>
+            </a:r>
+            <a:r>
+              <a:rPr lang="en-US" altLang="zh-CN" dirty="0"/>
+              <a:t>-</a:t>
+            </a:r>
+            <a:br>
+              <a:rPr lang="en-US" altLang="zh-CN" dirty="0"/>
+            </a:br>
+            <a:r>
+              <a:rPr lang="zh-CN" altLang="en-US" dirty="0"/>
+              <a:t>第七次会议</a:t>
+            </a:r>
+          </a:p>
+        </p:txBody>
+      </p:sp>
+      <p:pic>
+        <p:nvPicPr>
+          <p:cNvPr id="6" name="图片 5">
+            <a:extLst>
+              <a:ext uri="{FF2B5EF4-FFF2-40B4-BE49-F238E27FC236}">
+                <a16:creationId xmlns:a16="http://schemas.microsoft.com/office/drawing/2014/main" id="{60B137AC-3F3A-4306-A754-BAF36C3CA968}"/>
+              </a:ext>
+            </a:extLst>
+          </p:cNvPr>
+          <p:cNvPicPr/>
+          <p:nvPr/>
+        </p:nvPicPr>
+        <p:blipFill>
+          <a:blip r:embed="rId2" cstate="print">
+            <a:extLst>
+              <a:ext uri="{28A0092B-C50C-407E-A947-70E740481C1C}">
+                <a14:useLocalDpi xmlns:a14="http://schemas.microsoft.com/office/drawing/2010/main" val="0"/>
+              </a:ext>
+            </a:extLst>
+          </a:blip>
+          <a:srcRect/>
+          <a:stretch>
+            <a:fillRect/>
+          </a:stretch>
+        </p:blipFill>
+        <p:spPr bwMode="auto">
+          <a:xfrm>
+            <a:off x="3619100" y="611040"/>
+            <a:ext cx="7513955" cy="5635919"/>
+          </a:xfrm>
+          <a:prstGeom prst="rect">
+            <a:avLst/>
+          </a:prstGeom>
+          <a:noFill/>
+          <a:ln>
+            <a:noFill/>
+          </a:ln>
+        </p:spPr>
+      </p:pic>
+    </p:spTree>
+    <p:extLst>
+      <p:ext uri="{BB962C8B-B14F-4D97-AF65-F5344CB8AC3E}">
+        <p14:creationId xmlns:p14="http://schemas.microsoft.com/office/powerpoint/2010/main" val="2507622881"/>
+      </p:ext>
+    </p:extLst>
+  </p:cSld>
+  <p:clrMapOvr>
+    <a:masterClrMapping/>
+  </p:clrMapOvr>
+  <p:transition spd="med">
+    <p:wheel spokes="1"/>
+  </p:transition>
+</p:sld>
+</file>
+
+<file path=ppt/slides/slide13.xml><?xml version="1.0" encoding="utf-8"?>
+<p:sld xmlns:a="http://schemas.openxmlformats.org/drawingml/2006/main" xmlns:r="http://schemas.openxmlformats.org/officeDocument/2006/relationships" xmlns:p="http://schemas.openxmlformats.org/presentationml/2006/main">
+  <p:cSld>
+    <p:spTree>
+      <p:nvGrpSpPr>
+        <p:cNvPr id="1" name=""/>
+        <p:cNvGrpSpPr/>
+        <p:nvPr/>
+      </p:nvGrpSpPr>
+      <p:grpSpPr>
+        <a:xfrm>
+          <a:off x="0" y="0"/>
+          <a:ext cx="0" cy="0"/>
+          <a:chOff x="0" y="0"/>
+          <a:chExt cx="0" cy="0"/>
+        </a:xfrm>
+      </p:grpSpPr>
+      <p:sp>
+        <p:nvSpPr>
+          <p:cNvPr id="2" name="标题 1">
+            <a:extLst>
+              <a:ext uri="{FF2B5EF4-FFF2-40B4-BE49-F238E27FC236}">
                 <a16:creationId xmlns:a16="http://schemas.microsoft.com/office/drawing/2014/main" id="{8D533C80-DE0A-42DE-A600-2A8AEA4C2268}"/>
               </a:ext>
             </a:extLst>
@@ -6524,40 +6751,25 @@
             <p:ph type="title"/>
           </p:nvPr>
         </p:nvSpPr>
-        <p:spPr/>
-        <p:txBody>
-          <a:bodyPr/>
-          <a:lstStyle/>
-          <a:p>
-            <a:r>
-              <a:rPr lang="zh-CN" altLang="en-US" dirty="0"/>
+        <p:spPr>
+          <a:xfrm>
+            <a:off x="913774" y="2541585"/>
+            <a:ext cx="10364451" cy="1596177"/>
+          </a:xfrm>
+        </p:spPr>
+        <p:txBody>
+          <a:bodyPr>
+            <a:normAutofit/>
+          </a:bodyPr>
+          <a:lstStyle/>
+          <a:p>
+            <a:r>
+              <a:rPr lang="zh-CN" altLang="en-US" sz="6000" b="1" dirty="0">
+                <a:latin typeface="黑体" panose="02010609060101010101" pitchFamily="49" charset="-122"/>
+                <a:ea typeface="黑体" panose="02010609060101010101" pitchFamily="49" charset="-122"/>
+              </a:rPr>
               <a:t>谢谢大家</a:t>
             </a:r>
-          </a:p>
-        </p:txBody>
-      </p:sp>
-      <p:sp>
-        <p:nvSpPr>
-          <p:cNvPr id="4" name="内容占位符 3">
-            <a:extLst>
-              <a:ext uri="{FF2B5EF4-FFF2-40B4-BE49-F238E27FC236}">
-                <a16:creationId xmlns:a16="http://schemas.microsoft.com/office/drawing/2014/main" id="{62D4BABC-A289-4289-B004-87381629E0CD}"/>
-              </a:ext>
-            </a:extLst>
-          </p:cNvPr>
-          <p:cNvSpPr>
-            <a:spLocks noGrp="1"/>
-          </p:cNvSpPr>
-          <p:nvPr>
-            <p:ph sz="quarter" idx="13"/>
-          </p:nvPr>
-        </p:nvSpPr>
-        <p:spPr/>
-        <p:txBody>
-          <a:bodyPr/>
-          <a:lstStyle/>
-          <a:p>
-            <a:endParaRPr lang="zh-CN" altLang="en-US"/>
           </a:p>
         </p:txBody>
       </p:sp>
@@ -6571,6 +6783,9 @@
   <p:clrMapOvr>
     <a:masterClrMapping/>
   </p:clrMapOvr>
+  <p:transition spd="med">
+    <p:wheel spokes="1"/>
+  </p:transition>
 </p:sld>
 </file>
 
@@ -6607,14 +6822,19 @@
             <p:ph type="title"/>
           </p:nvPr>
         </p:nvSpPr>
-        <p:spPr/>
+        <p:spPr>
+          <a:xfrm>
+            <a:off x="913774" y="2630911"/>
+            <a:ext cx="10364451" cy="1596177"/>
+          </a:xfrm>
+        </p:spPr>
         <p:txBody>
           <a:bodyPr/>
           <a:lstStyle/>
           <a:p>
             <a:r>
               <a:rPr lang="zh-CN" altLang="en-US" dirty="0"/>
-              <a:t>各负责人汇报</a:t>
+              <a:t>各负责人进度汇报</a:t>
             </a:r>
           </a:p>
         </p:txBody>
@@ -6629,6 +6849,9 @@
   <p:clrMapOvr>
     <a:masterClrMapping/>
   </p:clrMapOvr>
+  <p:transition spd="med">
+    <p:wheel spokes="1"/>
+  </p:transition>
 </p:sld>
 </file>
 
@@ -6672,7 +6895,7 @@
           <a:p>
             <a:r>
               <a:rPr lang="zh-CN" altLang="en-US" dirty="0"/>
-              <a:t>刘</a:t>
+              <a:t>刘奕龙</a:t>
             </a:r>
           </a:p>
         </p:txBody>
@@ -6695,18 +6918,20 @@
         </p:nvSpPr>
         <p:spPr/>
         <p:txBody>
-          <a:bodyPr/>
-          <a:lstStyle/>
-          <a:p>
-            <a:r>
-              <a:rPr lang="zh-CN" altLang="en-US" dirty="0"/>
+          <a:bodyPr>
+            <a:normAutofit/>
+          </a:bodyPr>
+          <a:lstStyle/>
+          <a:p>
+            <a:r>
+              <a:rPr lang="zh-CN" altLang="en-US" sz="2800" dirty="0"/>
               <a:t>工作进度实现情况</a:t>
             </a:r>
-            <a:endParaRPr lang="en-US" altLang="zh-CN" dirty="0"/>
-          </a:p>
-          <a:p>
-            <a:r>
-              <a:rPr lang="zh-CN" altLang="en-US" dirty="0"/>
+            <a:endParaRPr lang="en-US" altLang="zh-CN" sz="2800" dirty="0"/>
+          </a:p>
+          <a:p>
+            <a:r>
+              <a:rPr lang="zh-CN" altLang="en-US" sz="2800" dirty="0"/>
               <a:t>遇到了非常大的实现难题，查了很多很多资料</a:t>
             </a:r>
           </a:p>
@@ -6722,6 +6947,9 @@
   <p:clrMapOvr>
     <a:masterClrMapping/>
   </p:clrMapOvr>
+  <p:transition spd="med">
+    <p:wheel spokes="1"/>
+  </p:transition>
 </p:sld>
 </file>
 
@@ -6765,7 +6993,7 @@
           <a:p>
             <a:r>
               <a:rPr lang="zh-CN" altLang="en-US" dirty="0"/>
-              <a:t>唐</a:t>
+              <a:t>唐永翔</a:t>
             </a:r>
           </a:p>
         </p:txBody>
@@ -6788,11 +7016,13 @@
         </p:nvSpPr>
         <p:spPr/>
         <p:txBody>
-          <a:bodyPr/>
-          <a:lstStyle/>
-          <a:p>
-            <a:r>
-              <a:rPr lang="zh-CN" altLang="en-US" dirty="0"/>
+          <a:bodyPr>
+            <a:normAutofit/>
+          </a:bodyPr>
+          <a:lstStyle/>
+          <a:p>
+            <a:r>
+              <a:rPr lang="zh-CN" altLang="en-US" sz="2800" dirty="0"/>
               <a:t>系统实现展示</a:t>
             </a:r>
           </a:p>
@@ -6808,6 +7038,9 @@
   <p:clrMapOvr>
     <a:masterClrMapping/>
   </p:clrMapOvr>
+  <p:transition spd="med">
+    <p:wheel spokes="1"/>
+  </p:transition>
 </p:sld>
 </file>
 
@@ -6851,7 +7084,7 @@
           <a:p>
             <a:r>
               <a:rPr lang="zh-CN" altLang="en-US" dirty="0"/>
-              <a:t>邓</a:t>
+              <a:t>邓丽婷</a:t>
             </a:r>
           </a:p>
         </p:txBody>
@@ -6874,48 +7107,80 @@
         </p:nvSpPr>
         <p:spPr/>
         <p:txBody>
-          <a:bodyPr/>
-          <a:lstStyle/>
-          <a:p>
-            <a:r>
-              <a:rPr lang="zh-CN" altLang="en-US" dirty="0"/>
+          <a:bodyPr>
+            <a:normAutofit/>
+          </a:bodyPr>
+          <a:lstStyle/>
+          <a:p>
+            <a:r>
+              <a:rPr lang="zh-CN" altLang="en-US" sz="2800" dirty="0"/>
               <a:t>研究了使用</a:t>
             </a:r>
             <a:r>
-              <a:rPr lang="en-US" altLang="zh-CN" dirty="0"/>
+              <a:rPr lang="en-US" altLang="zh-CN" sz="2800" dirty="0"/>
               <a:t>json</a:t>
             </a:r>
             <a:r>
-              <a:rPr lang="zh-CN" altLang="en-US" dirty="0"/>
-              <a:t>的对接方式</a:t>
-            </a:r>
-            <a:endParaRPr lang="en-US" altLang="zh-CN" dirty="0"/>
-          </a:p>
-          <a:p>
-            <a:r>
-              <a:rPr lang="zh-CN" altLang="en-US" dirty="0"/>
+              <a:rPr lang="zh-CN" altLang="en-US" sz="2800" dirty="0"/>
+              <a:t>的对接方式*后来被放弃</a:t>
+            </a:r>
+            <a:endParaRPr lang="en-US" altLang="zh-CN" sz="2800" dirty="0"/>
+          </a:p>
+          <a:p>
+            <a:r>
+              <a:rPr lang="zh-CN" altLang="en-US" sz="2800" dirty="0"/>
               <a:t>研究了将</a:t>
             </a:r>
             <a:r>
-              <a:rPr lang="en-US" altLang="zh-CN" dirty="0"/>
+              <a:rPr lang="en-US" altLang="zh-CN" sz="2800" dirty="0"/>
               <a:t>.</a:t>
             </a:r>
             <a:r>
-              <a:rPr lang="en-US" altLang="zh-CN" dirty="0" err="1"/>
+              <a:rPr lang="en-US" altLang="zh-CN" sz="2800" dirty="0" err="1"/>
               <a:t>pcap</a:t>
             </a:r>
             <a:r>
-              <a:rPr lang="zh-CN" altLang="en-US" dirty="0"/>
+              <a:rPr lang="zh-CN" altLang="en-US" sz="2800" dirty="0"/>
               <a:t>包转为</a:t>
             </a:r>
             <a:r>
-              <a:rPr lang="en-US" altLang="zh-CN" dirty="0"/>
+              <a:rPr lang="en-US" altLang="zh-CN" sz="2800" dirty="0"/>
               <a:t>.csv</a:t>
             </a:r>
             <a:r>
-              <a:rPr lang="zh-CN" altLang="en-US" dirty="0"/>
+              <a:rPr lang="zh-CN" altLang="en-US" sz="2800" dirty="0"/>
               <a:t>文件的方式</a:t>
             </a:r>
+            <a:endParaRPr lang="en-US" altLang="zh-CN" sz="2800" dirty="0"/>
+          </a:p>
+          <a:p>
+            <a:r>
+              <a:rPr lang="zh-CN" altLang="en-US" sz="2800" dirty="0"/>
+              <a:t>尝试使用</a:t>
+            </a:r>
+            <a:r>
+              <a:rPr lang="en-US" altLang="zh-CN" sz="2800" dirty="0"/>
+              <a:t>C++</a:t>
+            </a:r>
+            <a:r>
+              <a:rPr lang="zh-CN" altLang="en-US" sz="2800" dirty="0"/>
+              <a:t>直接提取</a:t>
+            </a:r>
+            <a:r>
+              <a:rPr lang="en-US" altLang="zh-CN" sz="2800" dirty="0"/>
+              <a:t>.</a:t>
+            </a:r>
+            <a:r>
+              <a:rPr lang="en-US" altLang="zh-CN" sz="2800" dirty="0" err="1"/>
+              <a:t>pcap</a:t>
+            </a:r>
+            <a:r>
+              <a:rPr lang="zh-CN" altLang="en-US" sz="2800"/>
+              <a:t>信息</a:t>
+            </a:r>
+          </a:p>
+          <a:p>
+            <a:endParaRPr lang="zh-CN" altLang="en-US" sz="2800" dirty="0"/>
           </a:p>
         </p:txBody>
       </p:sp>
@@ -6929,6 +7194,9 @@
   <p:clrMapOvr>
     <a:masterClrMapping/>
   </p:clrMapOvr>
+  <p:transition spd="med">
+    <p:wheel spokes="1"/>
+  </p:transition>
 </p:sld>
 </file>
 
@@ -6972,7 +7240,7 @@
           <a:p>
             <a:r>
               <a:rPr lang="zh-CN" altLang="en-US" dirty="0"/>
-              <a:t>黄</a:t>
+              <a:t>黄浩玲</a:t>
             </a:r>
           </a:p>
         </p:txBody>
@@ -6999,14 +7267,14 @@
           <a:lstStyle/>
           <a:p>
             <a:r>
-              <a:rPr lang="zh-CN" altLang="en-US" dirty="0"/>
+              <a:rPr lang="zh-CN" altLang="en-US" sz="2800" dirty="0"/>
               <a:t>测试演示</a:t>
             </a:r>
-            <a:endParaRPr lang="en-US" altLang="zh-CN" dirty="0"/>
-          </a:p>
-          <a:p>
-            <a:r>
-              <a:rPr lang="en-US" altLang="zh-CN" b="0" i="0" dirty="0">
+            <a:endParaRPr lang="en-US" altLang="zh-CN" sz="2800" dirty="0"/>
+          </a:p>
+          <a:p>
+            <a:r>
+              <a:rPr lang="en-US" altLang="zh-CN" sz="2800" b="0" i="0" dirty="0">
                 <a:solidFill>
                   <a:srgbClr val="006D21"/>
                 </a:solidFill>
@@ -7017,7 +7285,7 @@
               <a:t>https://</a:t>
             </a:r>
             <a:r>
-              <a:rPr lang="en-US" altLang="zh-CN" b="1" i="0" dirty="0">
+              <a:rPr lang="en-US" altLang="zh-CN" sz="2800" b="1" i="0" dirty="0">
                 <a:solidFill>
                   <a:srgbClr val="006D21"/>
                 </a:solidFill>
@@ -7028,7 +7296,7 @@
               <a:t>ones</a:t>
             </a:r>
             <a:r>
-              <a:rPr lang="en-US" altLang="zh-CN" b="0" i="0" dirty="0">
+              <a:rPr lang="en-US" altLang="zh-CN" sz="2800" b="0" i="0" dirty="0">
                 <a:solidFill>
                   <a:srgbClr val="006D21"/>
                 </a:solidFill>
@@ -7038,7 +7306,7 @@
               </a:rPr>
               <a:t>.ai</a:t>
             </a:r>
-            <a:endParaRPr lang="en-US" altLang="zh-CN" b="0" i="0" dirty="0">
+            <a:endParaRPr lang="en-US" altLang="zh-CN" sz="2800" b="0" i="0" dirty="0">
               <a:solidFill>
                 <a:srgbClr val="006D21"/>
               </a:solidFill>
@@ -7061,6 +7329,9 @@
   <p:clrMapOvr>
     <a:masterClrMapping/>
   </p:clrMapOvr>
+  <p:transition spd="med">
+    <p:wheel spokes="1"/>
+  </p:transition>
 </p:sld>
 </file>
 
@@ -7097,7 +7368,12 @@
             <p:ph type="title"/>
           </p:nvPr>
         </p:nvSpPr>
-        <p:spPr/>
+        <p:spPr>
+          <a:xfrm>
+            <a:off x="1008044" y="561957"/>
+            <a:ext cx="3667652" cy="823784"/>
+          </a:xfrm>
+        </p:spPr>
         <p:txBody>
           <a:bodyPr/>
           <a:lstStyle/>
@@ -7109,31 +7385,36 @@
           </a:p>
         </p:txBody>
       </p:sp>
-      <p:sp>
-        <p:nvSpPr>
-          <p:cNvPr id="4" name="内容占位符 3">
+      <p:pic>
+        <p:nvPicPr>
+          <p:cNvPr id="3" name="图片 2">
             <a:extLst>
               <a:ext uri="{FF2B5EF4-FFF2-40B4-BE49-F238E27FC236}">
-                <a16:creationId xmlns:a16="http://schemas.microsoft.com/office/drawing/2014/main" id="{599B86CF-E7B5-44F2-973D-B2C180328A69}"/>
+                <a16:creationId xmlns:a16="http://schemas.microsoft.com/office/drawing/2014/main" id="{96D308B1-F943-4CE8-98D0-6E9C4F7D790D}"/>
               </a:ext>
             </a:extLst>
           </p:cNvPr>
-          <p:cNvSpPr>
-            <a:spLocks noGrp="1"/>
-          </p:cNvSpPr>
-          <p:nvPr>
-            <p:ph sz="quarter" idx="13"/>
-          </p:nvPr>
-        </p:nvSpPr>
-        <p:spPr/>
-        <p:txBody>
-          <a:bodyPr/>
-          <a:lstStyle/>
-          <a:p>
-            <a:endParaRPr lang="zh-CN" altLang="en-US"/>
-          </a:p>
-        </p:txBody>
-      </p:sp>
+          <p:cNvPicPr>
+            <a:picLocks noChangeAspect="1"/>
+          </p:cNvPicPr>
+          <p:nvPr/>
+        </p:nvPicPr>
+        <p:blipFill>
+          <a:blip r:embed="rId2"/>
+          <a:stretch>
+            <a:fillRect/>
+          </a:stretch>
+        </p:blipFill>
+        <p:spPr>
+          <a:xfrm>
+            <a:off x="1002918" y="1385741"/>
+            <a:ext cx="10406583" cy="3223966"/>
+          </a:xfrm>
+          <a:prstGeom prst="rect">
+            <a:avLst/>
+          </a:prstGeom>
+        </p:spPr>
+      </p:pic>
     </p:spTree>
     <p:extLst>
       <p:ext uri="{BB962C8B-B14F-4D97-AF65-F5344CB8AC3E}">
@@ -7144,6 +7425,9 @@
   <p:clrMapOvr>
     <a:masterClrMapping/>
   </p:clrMapOvr>
+  <p:transition spd="med">
+    <p:wheel spokes="1"/>
+  </p:transition>
 </p:sld>
 </file>
 
@@ -7164,6 +7448,102 @@
           <a:chExt cx="0" cy="0"/>
         </a:xfrm>
       </p:grpSpPr>
+      <p:pic>
+        <p:nvPicPr>
+          <p:cNvPr id="5" name="图片 4">
+            <a:extLst>
+              <a:ext uri="{FF2B5EF4-FFF2-40B4-BE49-F238E27FC236}">
+                <a16:creationId xmlns:a16="http://schemas.microsoft.com/office/drawing/2014/main" id="{C1A54D95-5951-4FD6-B649-259805F84BB4}"/>
+              </a:ext>
+            </a:extLst>
+          </p:cNvPr>
+          <p:cNvPicPr>
+            <a:picLocks noChangeAspect="1"/>
+          </p:cNvPicPr>
+          <p:nvPr/>
+        </p:nvPicPr>
+        <p:blipFill>
+          <a:blip r:embed="rId2"/>
+          <a:stretch>
+            <a:fillRect/>
+          </a:stretch>
+        </p:blipFill>
+        <p:spPr>
+          <a:xfrm>
+            <a:off x="4311825" y="502461"/>
+            <a:ext cx="6819947" cy="5737022"/>
+          </a:xfrm>
+          <a:prstGeom prst="rect">
+            <a:avLst/>
+          </a:prstGeom>
+        </p:spPr>
+      </p:pic>
+      <p:sp>
+        <p:nvSpPr>
+          <p:cNvPr id="6" name="标题 1">
+            <a:extLst>
+              <a:ext uri="{FF2B5EF4-FFF2-40B4-BE49-F238E27FC236}">
+                <a16:creationId xmlns:a16="http://schemas.microsoft.com/office/drawing/2014/main" id="{E20A065E-B0F9-4607-92B3-BB82A17205DB}"/>
+              </a:ext>
+            </a:extLst>
+          </p:cNvPr>
+          <p:cNvSpPr>
+            <a:spLocks noGrp="1"/>
+          </p:cNvSpPr>
+          <p:nvPr>
+            <p:ph type="title"/>
+          </p:nvPr>
+        </p:nvSpPr>
+        <p:spPr>
+          <a:xfrm>
+            <a:off x="885496" y="2598630"/>
+            <a:ext cx="3667652" cy="823784"/>
+          </a:xfrm>
+        </p:spPr>
+        <p:txBody>
+          <a:bodyPr/>
+          <a:lstStyle/>
+          <a:p>
+            <a:r>
+              <a:rPr lang="zh-CN" altLang="en-US" dirty="0"/>
+              <a:t>项目管理工具</a:t>
+            </a:r>
+          </a:p>
+        </p:txBody>
+      </p:sp>
+    </p:spTree>
+    <p:extLst>
+      <p:ext uri="{BB962C8B-B14F-4D97-AF65-F5344CB8AC3E}">
+        <p14:creationId xmlns:p14="http://schemas.microsoft.com/office/powerpoint/2010/main" val="151226975"/>
+      </p:ext>
+    </p:extLst>
+  </p:cSld>
+  <p:clrMapOvr>
+    <a:masterClrMapping/>
+  </p:clrMapOvr>
+  <p:transition spd="med">
+    <p:wheel spokes="1"/>
+  </p:transition>
+</p:sld>
+</file>
+
+<file path=ppt/slides/slide9.xml><?xml version="1.0" encoding="utf-8"?>
+<p:sld xmlns:a="http://schemas.openxmlformats.org/drawingml/2006/main" xmlns:r="http://schemas.openxmlformats.org/officeDocument/2006/relationships" xmlns:p="http://schemas.openxmlformats.org/presentationml/2006/main">
+  <p:cSld>
+    <p:spTree>
+      <p:nvGrpSpPr>
+        <p:cNvPr id="1" name=""/>
+        <p:cNvGrpSpPr/>
+        <p:nvPr/>
+      </p:nvGrpSpPr>
+      <p:grpSpPr>
+        <a:xfrm>
+          <a:off x="0" y="0"/>
+          <a:ext cx="0" cy="0"/>
+          <a:chOff x="0" y="0"/>
+          <a:chExt cx="0" cy="0"/>
+        </a:xfrm>
+      </p:grpSpPr>
       <p:sp>
         <p:nvSpPr>
           <p:cNvPr id="2" name="标题 1">
@@ -7180,7 +7560,12 @@
             <p:ph type="title"/>
           </p:nvPr>
         </p:nvSpPr>
-        <p:spPr/>
+        <p:spPr>
+          <a:xfrm>
+            <a:off x="913775" y="618517"/>
+            <a:ext cx="10364451" cy="1129787"/>
+          </a:xfrm>
+        </p:spPr>
         <p:txBody>
           <a:bodyPr/>
           <a:lstStyle/>
@@ -7257,96 +7642,16 @@
   <p:clrMapOvr>
     <a:masterClrMapping/>
   </p:clrMapOvr>
-</p:sld>
-</file>
-
-<file path=ppt/slides/slide9.xml><?xml version="1.0" encoding="utf-8"?>
-<p:sld xmlns:a="http://schemas.openxmlformats.org/drawingml/2006/main" xmlns:r="http://schemas.openxmlformats.org/officeDocument/2006/relationships" xmlns:p="http://schemas.openxmlformats.org/presentationml/2006/main">
-  <p:cSld>
-    <p:spTree>
-      <p:nvGrpSpPr>
-        <p:cNvPr id="1" name=""/>
-        <p:cNvGrpSpPr/>
-        <p:nvPr/>
-      </p:nvGrpSpPr>
-      <p:grpSpPr>
-        <a:xfrm>
-          <a:off x="0" y="0"/>
-          <a:ext cx="0" cy="0"/>
-          <a:chOff x="0" y="0"/>
-          <a:chExt cx="0" cy="0"/>
-        </a:xfrm>
-      </p:grpSpPr>
-      <p:sp>
-        <p:nvSpPr>
-          <p:cNvPr id="2" name="标题 1">
-            <a:extLst>
-              <a:ext uri="{FF2B5EF4-FFF2-40B4-BE49-F238E27FC236}">
-                <a16:creationId xmlns:a16="http://schemas.microsoft.com/office/drawing/2014/main" id="{610B7C37-031C-4203-A23B-D4F0D405214C}"/>
-              </a:ext>
-            </a:extLst>
-          </p:cNvPr>
-          <p:cNvSpPr>
-            <a:spLocks noGrp="1"/>
-          </p:cNvSpPr>
-          <p:nvPr>
-            <p:ph type="title"/>
-          </p:nvPr>
-        </p:nvSpPr>
-        <p:spPr/>
-        <p:txBody>
-          <a:bodyPr/>
-          <a:lstStyle/>
-          <a:p>
-            <a:r>
-              <a:rPr lang="zh-CN" altLang="en-US" dirty="0"/>
-              <a:t>会议记录</a:t>
-            </a:r>
-          </a:p>
-        </p:txBody>
-      </p:sp>
-      <p:sp>
-        <p:nvSpPr>
-          <p:cNvPr id="4" name="内容占位符 3">
-            <a:extLst>
-              <a:ext uri="{FF2B5EF4-FFF2-40B4-BE49-F238E27FC236}">
-                <a16:creationId xmlns:a16="http://schemas.microsoft.com/office/drawing/2014/main" id="{4548A2CB-2137-40AE-8EC8-AEC5CC8D90A0}"/>
-              </a:ext>
-            </a:extLst>
-          </p:cNvPr>
-          <p:cNvSpPr>
-            <a:spLocks noGrp="1"/>
-          </p:cNvSpPr>
-          <p:nvPr>
-            <p:ph sz="quarter" idx="13"/>
-          </p:nvPr>
-        </p:nvSpPr>
-        <p:spPr/>
-        <p:txBody>
-          <a:bodyPr/>
-          <a:lstStyle/>
-          <a:p>
-            <a:endParaRPr lang="zh-CN" altLang="en-US"/>
-          </a:p>
-        </p:txBody>
-      </p:sp>
-    </p:spTree>
-    <p:extLst>
-      <p:ext uri="{BB962C8B-B14F-4D97-AF65-F5344CB8AC3E}">
-        <p14:creationId xmlns:p14="http://schemas.microsoft.com/office/powerpoint/2010/main" val="444498625"/>
-      </p:ext>
-    </p:extLst>
-  </p:cSld>
-  <p:clrMapOvr>
-    <a:masterClrMapping/>
-  </p:clrMapOvr>
+  <p:transition spd="med">
+    <p:wheel spokes="1"/>
+  </p:transition>
 </p:sld>
 </file>
 
 <file path=ppt/theme/theme1.xml><?xml version="1.0" encoding="utf-8"?>
 <a:theme xmlns:a="http://schemas.openxmlformats.org/drawingml/2006/main" name="水滴">
   <a:themeElements>
-    <a:clrScheme name="水滴">
+    <a:clrScheme name="紫红色">
       <a:dk1>
         <a:sysClr val="windowText" lastClr="000000"/>
       </a:dk1>
@@ -7354,34 +7659,34 @@
         <a:sysClr val="window" lastClr="FFFFFF"/>
       </a:lt1>
       <a:dk2>
-        <a:srgbClr val="4B4B4B"/>
+        <a:srgbClr val="454551"/>
       </a:dk2>
       <a:lt2>
-        <a:srgbClr val="B5B5B5"/>
+        <a:srgbClr val="D8D9DC"/>
       </a:lt2>
       <a:accent1>
-        <a:srgbClr val="9AC43E"/>
+        <a:srgbClr val="E32D91"/>
       </a:accent1>
       <a:accent2>
-        <a:srgbClr val="44BA98"/>
+        <a:srgbClr val="C830CC"/>
       </a:accent2>
       <a:accent3>
-        <a:srgbClr val="43A9D9"/>
+        <a:srgbClr val="4EA6DC"/>
       </a:accent3>
       <a:accent4>
-        <a:srgbClr val="6274D8"/>
+        <a:srgbClr val="4775E7"/>
       </a:accent4>
       <a:accent5>
-        <a:srgbClr val="AB54D7"/>
+        <a:srgbClr val="8971E1"/>
       </a:accent5>
       <a:accent6>
-        <a:srgbClr val="D15B37"/>
+        <a:srgbClr val="D54773"/>
       </a:accent6>
       <a:hlink>
-        <a:srgbClr val="BFE962"/>
+        <a:srgbClr val="6B9F25"/>
       </a:hlink>
       <a:folHlink>
-        <a:srgbClr val="C0D591"/>
+        <a:srgbClr val="8C8C8C"/>
       </a:folHlink>
     </a:clrScheme>
     <a:fontScheme name="水滴">
@@ -7577,11 +7882,11 @@
           <a:gsLst>
             <a:gs pos="0">
               <a:schemeClr val="phClr">
-                <a:tint val="84000"/>
+                <a:tint val="78000"/>
                 <a:shade val="100000"/>
-                <a:hueMod val="92000"/>
-                <a:satMod val="180000"/>
-                <a:lumMod val="114000"/>
+                <a:hueMod val="136000"/>
+                <a:satMod val="160000"/>
+                <a:lumMod val="105000"/>
               </a:schemeClr>
             </a:gs>
             <a:gs pos="100000">
@@ -7601,7 +7906,7 @@
   <a:extraClrSchemeLst/>
   <a:extLst>
     <a:ext uri="{05A4C25C-085E-4340-85A3-A5531E510DB2}">
-      <thm15:themeFamily xmlns:thm15="http://schemas.microsoft.com/office/thememl/2012/main" name="Droplet" id="{8984A317-299A-4E50-B45D-BFC9EDE2337A}" vid="{892FADA9-420D-4323-A7A4-C1060166525B}"/>
+      <thm15:themeFamily xmlns:thm15="http://schemas.microsoft.com/office/thememl/2012/main" name="Droplet" id="{8984A317-299A-4E50-B45D-BFC9EDE2337A}" vid="{C71B277C-C29A-4BA0-A7BA-43502DF21AB3}"/>
     </a:ext>
   </a:extLst>
 </a:theme>
